--- a/Db_TestApp/프레젠테이션1.pptx
+++ b/Db_TestApp/프레젠테이션1.pptx
@@ -104,6 +104,11 @@
       </a:defRPr>
     </a:lvl9pPr>
   </p:defaultTextStyle>
+  <p:extLst>
+    <p:ext uri="{EFAFB233-063F-42B5-8137-9DF3F51BA10A}">
+      <p15:sldGuideLst xmlns:p15="http://schemas.microsoft.com/office/powerpoint/2012/main"/>
+    </p:ext>
+  </p:extLst>
 </p:presentation>
 </file>
 
@@ -254,7 +259,7 @@
           <a:p>
             <a:fld id="{D2939E0F-DFE3-4069-ACBF-5018C0FCBDE8}" type="datetimeFigureOut">
               <a:rPr lang="ko-KR" altLang="en-US" smtClean="0"/>
-              <a:t>2025-12-15</a:t>
+              <a:t>2025-12-17</a:t>
             </a:fld>
             <a:endParaRPr lang="ko-KR" altLang="en-US"/>
           </a:p>
@@ -452,7 +457,7 @@
           <a:p>
             <a:fld id="{D2939E0F-DFE3-4069-ACBF-5018C0FCBDE8}" type="datetimeFigureOut">
               <a:rPr lang="ko-KR" altLang="en-US" smtClean="0"/>
-              <a:t>2025-12-15</a:t>
+              <a:t>2025-12-17</a:t>
             </a:fld>
             <a:endParaRPr lang="ko-KR" altLang="en-US"/>
           </a:p>
@@ -660,7 +665,7 @@
           <a:p>
             <a:fld id="{D2939E0F-DFE3-4069-ACBF-5018C0FCBDE8}" type="datetimeFigureOut">
               <a:rPr lang="ko-KR" altLang="en-US" smtClean="0"/>
-              <a:t>2025-12-15</a:t>
+              <a:t>2025-12-17</a:t>
             </a:fld>
             <a:endParaRPr lang="ko-KR" altLang="en-US"/>
           </a:p>
@@ -858,7 +863,7 @@
           <a:p>
             <a:fld id="{D2939E0F-DFE3-4069-ACBF-5018C0FCBDE8}" type="datetimeFigureOut">
               <a:rPr lang="ko-KR" altLang="en-US" smtClean="0"/>
-              <a:t>2025-12-15</a:t>
+              <a:t>2025-12-17</a:t>
             </a:fld>
             <a:endParaRPr lang="ko-KR" altLang="en-US"/>
           </a:p>
@@ -1133,7 +1138,7 @@
           <a:p>
             <a:fld id="{D2939E0F-DFE3-4069-ACBF-5018C0FCBDE8}" type="datetimeFigureOut">
               <a:rPr lang="ko-KR" altLang="en-US" smtClean="0"/>
-              <a:t>2025-12-15</a:t>
+              <a:t>2025-12-17</a:t>
             </a:fld>
             <a:endParaRPr lang="ko-KR" altLang="en-US"/>
           </a:p>
@@ -1398,7 +1403,7 @@
           <a:p>
             <a:fld id="{D2939E0F-DFE3-4069-ACBF-5018C0FCBDE8}" type="datetimeFigureOut">
               <a:rPr lang="ko-KR" altLang="en-US" smtClean="0"/>
-              <a:t>2025-12-15</a:t>
+              <a:t>2025-12-17</a:t>
             </a:fld>
             <a:endParaRPr lang="ko-KR" altLang="en-US"/>
           </a:p>
@@ -1810,7 +1815,7 @@
           <a:p>
             <a:fld id="{D2939E0F-DFE3-4069-ACBF-5018C0FCBDE8}" type="datetimeFigureOut">
               <a:rPr lang="ko-KR" altLang="en-US" smtClean="0"/>
-              <a:t>2025-12-15</a:t>
+              <a:t>2025-12-17</a:t>
             </a:fld>
             <a:endParaRPr lang="ko-KR" altLang="en-US"/>
           </a:p>
@@ -1951,7 +1956,7 @@
           <a:p>
             <a:fld id="{D2939E0F-DFE3-4069-ACBF-5018C0FCBDE8}" type="datetimeFigureOut">
               <a:rPr lang="ko-KR" altLang="en-US" smtClean="0"/>
-              <a:t>2025-12-15</a:t>
+              <a:t>2025-12-17</a:t>
             </a:fld>
             <a:endParaRPr lang="ko-KR" altLang="en-US"/>
           </a:p>
@@ -2064,7 +2069,7 @@
           <a:p>
             <a:fld id="{D2939E0F-DFE3-4069-ACBF-5018C0FCBDE8}" type="datetimeFigureOut">
               <a:rPr lang="ko-KR" altLang="en-US" smtClean="0"/>
-              <a:t>2025-12-15</a:t>
+              <a:t>2025-12-17</a:t>
             </a:fld>
             <a:endParaRPr lang="ko-KR" altLang="en-US"/>
           </a:p>
@@ -2375,7 +2380,7 @@
           <a:p>
             <a:fld id="{D2939E0F-DFE3-4069-ACBF-5018C0FCBDE8}" type="datetimeFigureOut">
               <a:rPr lang="ko-KR" altLang="en-US" smtClean="0"/>
-              <a:t>2025-12-15</a:t>
+              <a:t>2025-12-17</a:t>
             </a:fld>
             <a:endParaRPr lang="ko-KR" altLang="en-US"/>
           </a:p>
@@ -2663,7 +2668,7 @@
           <a:p>
             <a:fld id="{D2939E0F-DFE3-4069-ACBF-5018C0FCBDE8}" type="datetimeFigureOut">
               <a:rPr lang="ko-KR" altLang="en-US" smtClean="0"/>
-              <a:t>2025-12-15</a:t>
+              <a:t>2025-12-17</a:t>
             </a:fld>
             <a:endParaRPr lang="ko-KR" altLang="en-US"/>
           </a:p>
@@ -2904,7 +2909,7 @@
           <a:p>
             <a:fld id="{D2939E0F-DFE3-4069-ACBF-5018C0FCBDE8}" type="datetimeFigureOut">
               <a:rPr lang="ko-KR" altLang="en-US" smtClean="0"/>
-              <a:t>2025-12-15</a:t>
+              <a:t>2025-12-17</a:t>
             </a:fld>
             <a:endParaRPr lang="ko-KR" altLang="en-US"/>
           </a:p>
@@ -3321,190 +3326,6 @@
           <a:chExt cx="0" cy="0"/>
         </a:xfrm>
       </p:grpSpPr>
-      <p:grpSp>
-        <p:nvGrpSpPr>
-          <p:cNvPr id="20" name="그룹 19">
-            <a:extLst>
-              <a:ext uri="{FF2B5EF4-FFF2-40B4-BE49-F238E27FC236}">
-                <a16:creationId xmlns:a16="http://schemas.microsoft.com/office/drawing/2014/main" id="{5EE2CD2C-7208-70D4-490A-5AF4C13D6195}"/>
-              </a:ext>
-            </a:extLst>
-          </p:cNvPr>
-          <p:cNvGrpSpPr/>
-          <p:nvPr/>
-        </p:nvGrpSpPr>
-        <p:grpSpPr>
-          <a:xfrm>
-            <a:off x="2023071" y="18881"/>
-            <a:ext cx="3705283" cy="2652502"/>
-            <a:chOff x="925420" y="265156"/>
-            <a:chExt cx="3705283" cy="2652502"/>
-          </a:xfrm>
-        </p:grpSpPr>
-        <p:pic>
-          <p:nvPicPr>
-            <p:cNvPr id="9" name="그림 8" descr="텍스트, 스크린샷, 도표, 라인이(가) 표시된 사진&#10;&#10;AI 생성 콘텐츠는 정확하지 않을 수 있습니다.">
-              <a:extLst>
-                <a:ext uri="{FF2B5EF4-FFF2-40B4-BE49-F238E27FC236}">
-                  <a16:creationId xmlns:a16="http://schemas.microsoft.com/office/drawing/2014/main" id="{9E52048F-6C70-B9C3-319D-CC64A4488BF5}"/>
-                </a:ext>
-              </a:extLst>
-            </p:cNvPr>
-            <p:cNvPicPr>
-              <a:picLocks noChangeAspect="1"/>
-            </p:cNvPicPr>
-            <p:nvPr/>
-          </p:nvPicPr>
-          <p:blipFill>
-            <a:blip r:embed="rId2"/>
-            <a:stretch>
-              <a:fillRect/>
-            </a:stretch>
-          </p:blipFill>
-          <p:spPr>
-            <a:xfrm>
-              <a:off x="925420" y="724659"/>
-              <a:ext cx="3262223" cy="2192999"/>
-            </a:xfrm>
-            <a:prstGeom prst="rect">
-              <a:avLst/>
-            </a:prstGeom>
-            <a:ln>
-              <a:solidFill>
-                <a:schemeClr val="tx1"/>
-              </a:solidFill>
-            </a:ln>
-          </p:spPr>
-        </p:pic>
-        <p:sp>
-          <p:nvSpPr>
-            <p:cNvPr id="11" name="TextBox 10">
-              <a:extLst>
-                <a:ext uri="{FF2B5EF4-FFF2-40B4-BE49-F238E27FC236}">
-                  <a16:creationId xmlns:a16="http://schemas.microsoft.com/office/drawing/2014/main" id="{0F2F94DD-8C61-3E77-A636-06E1946301BE}"/>
-                </a:ext>
-              </a:extLst>
-            </p:cNvPr>
-            <p:cNvSpPr txBox="1"/>
-            <p:nvPr/>
-          </p:nvSpPr>
-          <p:spPr>
-            <a:xfrm>
-              <a:off x="2081467" y="265156"/>
-              <a:ext cx="2549236" cy="369332"/>
-            </a:xfrm>
-            <a:prstGeom prst="rect">
-              <a:avLst/>
-            </a:prstGeom>
-            <a:noFill/>
-          </p:spPr>
-          <p:txBody>
-            <a:bodyPr wrap="square" rtlCol="0">
-              <a:spAutoFit/>
-            </a:bodyPr>
-            <a:lstStyle/>
-            <a:p>
-              <a:r>
-                <a:rPr lang="en-US" altLang="ko-KR" dirty="0"/>
-                <a:t>Default</a:t>
-              </a:r>
-              <a:endParaRPr lang="ko-KR" altLang="en-US" dirty="0"/>
-            </a:p>
-          </p:txBody>
-        </p:sp>
-      </p:grpSp>
-      <p:grpSp>
-        <p:nvGrpSpPr>
-          <p:cNvPr id="19" name="그룹 18">
-            <a:extLst>
-              <a:ext uri="{FF2B5EF4-FFF2-40B4-BE49-F238E27FC236}">
-                <a16:creationId xmlns:a16="http://schemas.microsoft.com/office/drawing/2014/main" id="{4E1FC1AC-DD8B-7F63-78AA-829CBCB27EEE}"/>
-              </a:ext>
-            </a:extLst>
-          </p:cNvPr>
-          <p:cNvGrpSpPr/>
-          <p:nvPr/>
-        </p:nvGrpSpPr>
-        <p:grpSpPr>
-          <a:xfrm>
-            <a:off x="6016942" y="18881"/>
-            <a:ext cx="4987192" cy="2652501"/>
-            <a:chOff x="6525870" y="265156"/>
-            <a:chExt cx="4987192" cy="2652501"/>
-          </a:xfrm>
-        </p:grpSpPr>
-        <p:pic>
-          <p:nvPicPr>
-            <p:cNvPr id="7" name="그림 6" descr="텍스트, 스크린샷, 도표, 라인이(가) 표시된 사진&#10;&#10;AI 생성 콘텐츠는 정확하지 않을 수 있습니다.">
-              <a:extLst>
-                <a:ext uri="{FF2B5EF4-FFF2-40B4-BE49-F238E27FC236}">
-                  <a16:creationId xmlns:a16="http://schemas.microsoft.com/office/drawing/2014/main" id="{C0AD166D-38A3-18AE-DA9F-D2C860F0B5D3}"/>
-                </a:ext>
-              </a:extLst>
-            </p:cNvPr>
-            <p:cNvPicPr>
-              <a:picLocks noChangeAspect="1"/>
-            </p:cNvPicPr>
-            <p:nvPr/>
-          </p:nvPicPr>
-          <p:blipFill>
-            <a:blip r:embed="rId3"/>
-            <a:stretch>
-              <a:fillRect/>
-            </a:stretch>
-          </p:blipFill>
-          <p:spPr>
-            <a:xfrm>
-              <a:off x="6525870" y="724659"/>
-              <a:ext cx="4987192" cy="2192998"/>
-            </a:xfrm>
-            <a:prstGeom prst="rect">
-              <a:avLst/>
-            </a:prstGeom>
-            <a:ln>
-              <a:solidFill>
-                <a:schemeClr val="tx1"/>
-              </a:solidFill>
-            </a:ln>
-          </p:spPr>
-        </p:pic>
-        <p:sp>
-          <p:nvSpPr>
-            <p:cNvPr id="12" name="TextBox 11">
-              <a:extLst>
-                <a:ext uri="{FF2B5EF4-FFF2-40B4-BE49-F238E27FC236}">
-                  <a16:creationId xmlns:a16="http://schemas.microsoft.com/office/drawing/2014/main" id="{338A582D-2D4D-C3D2-738B-46F175C6D7F1}"/>
-                </a:ext>
-              </a:extLst>
-            </p:cNvPr>
-            <p:cNvSpPr txBox="1"/>
-            <p:nvPr/>
-          </p:nvSpPr>
-          <p:spPr>
-            <a:xfrm>
-              <a:off x="7578349" y="265156"/>
-              <a:ext cx="3485677" cy="369332"/>
-            </a:xfrm>
-            <a:prstGeom prst="rect">
-              <a:avLst/>
-            </a:prstGeom>
-            <a:noFill/>
-          </p:spPr>
-          <p:txBody>
-            <a:bodyPr wrap="square" rtlCol="0">
-              <a:spAutoFit/>
-            </a:bodyPr>
-            <a:lstStyle/>
-            <a:p>
-              <a:r>
-                <a:rPr lang="en-US" altLang="ko-KR" dirty="0"/>
-                <a:t>WAL(Write Ahead Logging)</a:t>
-              </a:r>
-              <a:endParaRPr lang="ko-KR" altLang="en-US" dirty="0"/>
-            </a:p>
-          </p:txBody>
-        </p:sp>
-      </p:grpSp>
       <p:graphicFrame>
         <p:nvGraphicFramePr>
           <p:cNvPr id="16" name="표 15">
@@ -3520,14 +3341,14 @@
           <p:nvPr>
             <p:extLst>
               <p:ext uri="{D42A27DB-BD31-4B8C-83A1-F6EECF244321}">
-                <p14:modId xmlns:p14="http://schemas.microsoft.com/office/powerpoint/2010/main" val="3122859592"/>
+                <p14:modId xmlns:p14="http://schemas.microsoft.com/office/powerpoint/2010/main" val="3864115528"/>
               </p:ext>
             </p:extLst>
           </p:nvPr>
         </p:nvGraphicFramePr>
         <p:xfrm>
-          <a:off x="3070541" y="3054399"/>
-          <a:ext cx="5892801" cy="2792610"/>
+          <a:off x="1209386" y="3065599"/>
+          <a:ext cx="6641523" cy="2540205"/>
         </p:xfrm>
         <a:graphic>
           <a:graphicData uri="http://schemas.openxmlformats.org/drawingml/2006/table">
@@ -3536,21 +3357,21 @@
                 <a:tableStyleId>{5C22544A-7EE6-4342-B048-85BDC9FD1C3A}</a:tableStyleId>
               </a:tblPr>
               <a:tblGrid>
-                <a:gridCol w="1964267">
+                <a:gridCol w="1367559">
                   <a:extLst>
                     <a:ext uri="{9D8B030D-6E8A-4147-A177-3AD203B41FA5}">
                       <a16:colId xmlns:a16="http://schemas.microsoft.com/office/drawing/2014/main" val="2633589895"/>
                     </a:ext>
                   </a:extLst>
                 </a:gridCol>
-                <a:gridCol w="1964267">
+                <a:gridCol w="3417455">
                   <a:extLst>
                     <a:ext uri="{9D8B030D-6E8A-4147-A177-3AD203B41FA5}">
                       <a16:colId xmlns:a16="http://schemas.microsoft.com/office/drawing/2014/main" val="2800367551"/>
                     </a:ext>
                   </a:extLst>
                 </a:gridCol>
-                <a:gridCol w="1964267">
+                <a:gridCol w="1856509">
                   <a:extLst>
                     <a:ext uri="{9D8B030D-6E8A-4147-A177-3AD203B41FA5}">
                       <a16:colId xmlns:a16="http://schemas.microsoft.com/office/drawing/2014/main" val="3492175363"/>
@@ -3664,6 +3485,85 @@
                     <a:bodyPr/>
                     <a:lstStyle/>
                     <a:p>
+                      <a:pPr algn="ctr">
+                        <a:buNone/>
+                      </a:pPr>
+                      <a:r>
+                        <a:rPr lang="ko-KR" altLang="en-US" sz="1200" b="1" dirty="0"/>
+                        <a:t>파일 </a:t>
+                      </a:r>
+                      <a:r>
+                        <a:rPr lang="en-US" sz="1200" b="1" dirty="0"/>
+                        <a:t>I/O </a:t>
+                      </a:r>
+                      <a:r>
+                        <a:rPr lang="ko-KR" altLang="en-US" sz="1200" b="1" dirty="0"/>
+                        <a:t>방식</a:t>
+                      </a:r>
+                    </a:p>
+                  </a:txBody>
+                  <a:tcPr anchor="ctr"/>
+                </a:tc>
+                <a:tc>
+                  <a:txBody>
+                    <a:bodyPr/>
+                    <a:lstStyle/>
+                    <a:p>
+                      <a:pPr algn="ctr">
+                        <a:buNone/>
+                      </a:pPr>
+                      <a:r>
+                        <a:rPr lang="en-US" sz="1200" dirty="0"/>
+                        <a:t>DB </a:t>
+                      </a:r>
+                      <a:r>
+                        <a:rPr lang="ko-KR" altLang="en-US" sz="1200" dirty="0"/>
+                        <a:t>파일 직접 </a:t>
+                      </a:r>
+                      <a:r>
+                        <a:rPr lang="en-US" sz="1200" dirty="0"/>
+                        <a:t>overwrite</a:t>
+                      </a:r>
+                    </a:p>
+                  </a:txBody>
+                  <a:tcPr anchor="ctr"/>
+                </a:tc>
+                <a:tc>
+                  <a:txBody>
+                    <a:bodyPr/>
+                    <a:lstStyle/>
+                    <a:p>
+                      <a:pPr algn="ctr">
+                        <a:buNone/>
+                      </a:pPr>
+                      <a:r>
+                        <a:rPr lang="en-US" sz="1200" dirty="0"/>
+                        <a:t>WAL </a:t>
+                      </a:r>
+                      <a:r>
+                        <a:rPr lang="ko-KR" altLang="en-US" sz="1200" dirty="0"/>
+                        <a:t>파일 </a:t>
+                      </a:r>
+                      <a:r>
+                        <a:rPr lang="en-US" sz="1200" dirty="0"/>
+                        <a:t>Append</a:t>
+                      </a:r>
+                    </a:p>
+                  </a:txBody>
+                  <a:tcPr anchor="ctr"/>
+                </a:tc>
+                <a:extLst>
+                  <a:ext uri="{0D108BD9-81ED-4DB2-BD59-A6C34878D82A}">
+                    <a16:rowId xmlns:a16="http://schemas.microsoft.com/office/drawing/2014/main" val="2312310818"/>
+                  </a:ext>
+                </a:extLst>
+              </a:tr>
+              <a:tr h="318870">
+                <a:tc>
+                  <a:txBody>
+                    <a:bodyPr/>
+                    <a:lstStyle/>
+                    <a:p>
                       <a:pPr algn="ctr" fontAlgn="base">
                         <a:buNone/>
                       </a:pPr>
@@ -3671,7 +3571,19 @@
                         <a:rPr lang="ko-KR" altLang="en-US" sz="1200" b="1" dirty="0">
                           <a:effectLst/>
                         </a:rPr>
-                        <a:t>쓰기 방식</a:t>
+                        <a:t>디스크 </a:t>
+                      </a:r>
+                      <a:r>
+                        <a:rPr lang="en-US" altLang="ko-KR" sz="1200" b="1" dirty="0">
+                          <a:effectLst/>
+                        </a:rPr>
+                        <a:t>I/O</a:t>
+                      </a:r>
+                      <a:r>
+                        <a:rPr lang="ko-KR" altLang="en-US" sz="1200" b="1" dirty="0">
+                          <a:effectLst/>
+                        </a:rPr>
+                        <a:t> 패턴</a:t>
                       </a:r>
                       <a:endParaRPr lang="ko-KR" altLang="en-US" sz="1200" dirty="0">
                         <a:effectLst/>
@@ -3689,10 +3601,33 @@
                         <a:buNone/>
                       </a:pPr>
                       <a:r>
+                        <a:rPr lang="ko-KR" altLang="en-US" sz="1200" b="0" dirty="0">
+                          <a:effectLst/>
+                        </a:rPr>
+                        <a:t>랜덤 </a:t>
+                      </a:r>
+                      <a:r>
+                        <a:rPr lang="en-US" altLang="ko-KR" sz="1200" b="0" dirty="0">
+                          <a:effectLst/>
+                        </a:rPr>
+                        <a:t>I/O </a:t>
+                      </a:r>
+                    </a:p>
+                    <a:p>
+                      <a:pPr algn="ctr" fontAlgn="base">
+                        <a:buNone/>
+                      </a:pPr>
+                      <a:r>
+                        <a:rPr lang="en-US" altLang="ko-KR" sz="1200" b="0" dirty="0">
+                          <a:effectLst/>
+                        </a:rPr>
+                        <a:t>(R</a:t>
+                      </a:r>
+                      <a:r>
                         <a:rPr lang="en-US" sz="1200" b="0" dirty="0">
                           <a:effectLst/>
                         </a:rPr>
-                        <a:t>In-Place Update</a:t>
+                        <a:t>andom I/O)</a:t>
                       </a:r>
                     </a:p>
                   </a:txBody>
@@ -3707,22 +3642,60 @@
                         <a:buNone/>
                       </a:pPr>
                       <a:r>
-                        <a:rPr lang="en-US" sz="1200" b="0" dirty="0">
+                        <a:rPr lang="ko-KR" altLang="en-US" sz="1200" b="0" i="0" kern="1200" dirty="0">
+                          <a:solidFill>
+                            <a:schemeClr val="dk1"/>
+                          </a:solidFill>
                           <a:effectLst/>
+                          <a:latin typeface="+mn-lt"/>
+                          <a:ea typeface="+mn-ea"/>
+                          <a:cs typeface="+mn-cs"/>
                         </a:rPr>
-                        <a:t>Append-Only</a:t>
-                      </a:r>
+                        <a:t>순차 </a:t>
+                      </a:r>
+                      <a:r>
+                        <a:rPr lang="en-US" altLang="ko-KR" sz="1200" b="0" i="0" kern="1200" dirty="0">
+                          <a:solidFill>
+                            <a:schemeClr val="dk1"/>
+                          </a:solidFill>
+                          <a:effectLst/>
+                          <a:latin typeface="+mn-lt"/>
+                          <a:ea typeface="+mn-ea"/>
+                          <a:cs typeface="+mn-cs"/>
+                        </a:rPr>
+                        <a:t>I/O </a:t>
+                      </a:r>
+                    </a:p>
+                    <a:p>
+                      <a:pPr algn="ctr" fontAlgn="base">
+                        <a:buNone/>
+                      </a:pPr>
+                      <a:r>
+                        <a:rPr lang="en-US" altLang="ko-KR" sz="1200" b="0" i="0" kern="1200" dirty="0">
+                          <a:solidFill>
+                            <a:schemeClr val="dk1"/>
+                          </a:solidFill>
+                          <a:effectLst/>
+                          <a:latin typeface="+mn-lt"/>
+                          <a:ea typeface="+mn-ea"/>
+                          <a:cs typeface="+mn-cs"/>
+                        </a:rPr>
+                        <a:t>(Sequential I/O)</a:t>
+                      </a:r>
+                      <a:endParaRPr lang="en-US" sz="1200" b="0" dirty="0">
+                        <a:effectLst/>
+                      </a:endParaRPr>
                     </a:p>
                   </a:txBody>
                   <a:tcPr anchor="ctr"/>
                 </a:tc>
                 <a:extLst>
                   <a:ext uri="{0D108BD9-81ED-4DB2-BD59-A6C34878D82A}">
-                    <a16:rowId xmlns:a16="http://schemas.microsoft.com/office/drawing/2014/main" val="2312310818"/>
+                    <a16:rowId xmlns:a16="http://schemas.microsoft.com/office/drawing/2014/main" val="754961454"/>
                   </a:ext>
                 </a:extLst>
               </a:tr>
-              <a:tr h="313150">
+              <a:tr h="137160">
                 <a:tc>
                   <a:txBody>
                     <a:bodyPr/>
@@ -3735,7 +3708,104 @@
                         <a:rPr lang="ko-KR" altLang="en-US" sz="1200" b="1" dirty="0">
                           <a:effectLst/>
                         </a:rPr>
-                        <a:t>자료 구조</a:t>
+                        <a:t>쓰기 단계 수</a:t>
+                      </a:r>
+                    </a:p>
+                  </a:txBody>
+                  <a:tcPr anchor="ctr"/>
+                </a:tc>
+                <a:tc>
+                  <a:txBody>
+                    <a:bodyPr/>
+                    <a:lstStyle/>
+                    <a:p>
+                      <a:pPr algn="ctr" fontAlgn="base">
+                        <a:buNone/>
+                      </a:pPr>
+                      <a:r>
+                        <a:rPr lang="en-US" altLang="ko-KR" sz="1200" dirty="0"/>
+                        <a:t>DB write </a:t>
+                      </a:r>
+                    </a:p>
+                    <a:p>
+                      <a:pPr algn="ctr" fontAlgn="base">
+                        <a:buNone/>
+                      </a:pPr>
+                      <a:r>
+                        <a:rPr lang="en-US" altLang="ko-KR" sz="1200" dirty="0"/>
+                        <a:t>(1</a:t>
+                      </a:r>
+                      <a:r>
+                        <a:rPr lang="ko-KR" altLang="en-US" sz="1200" dirty="0"/>
+                        <a:t>단계</a:t>
+                      </a:r>
+                      <a:r>
+                        <a:rPr lang="en-US" altLang="ko-KR" sz="1200" dirty="0"/>
+                        <a:t>)</a:t>
+                      </a:r>
+                      <a:endParaRPr lang="en-US" sz="1200" b="0" dirty="0">
+                        <a:effectLst/>
+                      </a:endParaRPr>
+                    </a:p>
+                  </a:txBody>
+                  <a:tcPr anchor="ctr"/>
+                </a:tc>
+                <a:tc>
+                  <a:txBody>
+                    <a:bodyPr/>
+                    <a:lstStyle/>
+                    <a:p>
+                      <a:pPr algn="ctr" fontAlgn="base">
+                        <a:buNone/>
+                      </a:pPr>
+                      <a:r>
+                        <a:rPr lang="en-US" altLang="ko-KR" sz="1200" dirty="0"/>
+                        <a:t>WAL write + DB write </a:t>
+                      </a:r>
+                    </a:p>
+                    <a:p>
+                      <a:pPr algn="ctr" fontAlgn="base">
+                        <a:buNone/>
+                      </a:pPr>
+                      <a:r>
+                        <a:rPr lang="en-US" altLang="ko-KR" sz="1200" dirty="0"/>
+                        <a:t>(2</a:t>
+                      </a:r>
+                      <a:r>
+                        <a:rPr lang="ko-KR" altLang="en-US" sz="1200" dirty="0"/>
+                        <a:t>단계</a:t>
+                      </a:r>
+                      <a:r>
+                        <a:rPr lang="en-US" altLang="ko-KR" sz="1200" dirty="0"/>
+                        <a:t>)</a:t>
+                      </a:r>
+                      <a:endParaRPr lang="en-US" sz="1200" b="0" dirty="0">
+                        <a:effectLst/>
+                      </a:endParaRPr>
+                    </a:p>
+                  </a:txBody>
+                  <a:tcPr anchor="ctr"/>
+                </a:tc>
+                <a:extLst>
+                  <a:ext uri="{0D108BD9-81ED-4DB2-BD59-A6C34878D82A}">
+                    <a16:rowId xmlns:a16="http://schemas.microsoft.com/office/drawing/2014/main" val="1076226940"/>
+                  </a:ext>
+                </a:extLst>
+              </a:tr>
+              <a:tr h="1003795">
+                <a:tc>
+                  <a:txBody>
+                    <a:bodyPr/>
+                    <a:lstStyle/>
+                    <a:p>
+                      <a:pPr algn="ctr" fontAlgn="base">
+                        <a:buNone/>
+                      </a:pPr>
+                      <a:r>
+                        <a:rPr lang="ko-KR" altLang="en-US" sz="1200" b="1" dirty="0">
+                          <a:effectLst/>
+                        </a:rPr>
+                        <a:t>최적 시나리오</a:t>
                       </a:r>
                       <a:endParaRPr lang="ko-KR" altLang="en-US" sz="1200" dirty="0">
                         <a:effectLst/>
@@ -3753,14 +3823,49 @@
                         <a:buNone/>
                       </a:pPr>
                       <a:r>
-                        <a:rPr lang="en-US" altLang="ko-KR" sz="1200" b="0" dirty="0" err="1">
+                        <a:rPr lang="ko-KR" altLang="en-US" sz="1200" b="1" dirty="0">
                           <a:effectLst/>
                         </a:rPr>
-                        <a:t>B+Tree</a:t>
-                      </a:r>
-                      <a:endParaRPr lang="ko-KR" altLang="en-US" sz="1200" b="0" dirty="0">
+                        <a:t>대량 일괄 처리 </a:t>
+                      </a:r>
+                      <a:endParaRPr lang="en-US" altLang="ko-KR" sz="1200" b="1" dirty="0">
                         <a:effectLst/>
                       </a:endParaRPr>
+                    </a:p>
+                    <a:p>
+                      <a:pPr algn="ctr" fontAlgn="base">
+                        <a:buNone/>
+                      </a:pPr>
+                      <a:r>
+                        <a:rPr lang="en-US" altLang="ko-KR" sz="1200" dirty="0">
+                          <a:effectLst/>
+                        </a:rPr>
+                        <a:t>(</a:t>
+                      </a:r>
+                      <a:r>
+                        <a:rPr lang="ko-KR" altLang="en-US" sz="1200" dirty="0">
+                          <a:effectLst/>
+                        </a:rPr>
+                        <a:t>예</a:t>
+                      </a:r>
+                      <a:r>
+                        <a:rPr lang="en-US" altLang="ko-KR" sz="1200" dirty="0">
+                          <a:effectLst/>
+                        </a:rPr>
+                        <a:t>: 10</a:t>
+                      </a:r>
+                      <a:r>
+                        <a:rPr lang="ko-KR" altLang="en-US" sz="1200" dirty="0">
+                          <a:effectLst/>
+                        </a:rPr>
+                        <a:t>만 개씩 묶어서 저장</a:t>
+                      </a:r>
+                      <a:r>
+                        <a:rPr lang="en-US" altLang="ko-KR" sz="1200" dirty="0">
+                          <a:effectLst/>
+                        </a:rPr>
+                        <a:t>)</a:t>
+                      </a:r>
                     </a:p>
                   </a:txBody>
                   <a:tcPr anchor="ctr"/>
@@ -3774,311 +3879,6 @@
                         <a:buNone/>
                       </a:pPr>
                       <a:r>
-                        <a:rPr lang="en-US" sz="1200" b="0" dirty="0">
-                          <a:effectLst/>
-                        </a:rPr>
-                        <a:t>WAL </a:t>
-                      </a:r>
-                      <a:r>
-                        <a:rPr lang="ko-KR" altLang="en-US" sz="1200" b="0" dirty="0">
-                          <a:effectLst/>
-                        </a:rPr>
-                        <a:t>순차 추가</a:t>
-                      </a:r>
-                    </a:p>
-                  </a:txBody>
-                  <a:tcPr anchor="ctr"/>
-                </a:tc>
-                <a:extLst>
-                  <a:ext uri="{0D108BD9-81ED-4DB2-BD59-A6C34878D82A}">
-                    <a16:rowId xmlns:a16="http://schemas.microsoft.com/office/drawing/2014/main" val="3144000232"/>
-                  </a:ext>
-                </a:extLst>
-              </a:tr>
-              <a:tr h="313150">
-                <a:tc>
-                  <a:txBody>
-                    <a:bodyPr/>
-                    <a:lstStyle/>
-                    <a:p>
-                      <a:pPr algn="ctr" fontAlgn="base">
-                        <a:buNone/>
-                      </a:pPr>
-                      <a:r>
-                        <a:rPr lang="ko-KR" altLang="en-US" sz="1200" b="1" dirty="0">
-                          <a:effectLst/>
-                        </a:rPr>
-                        <a:t>시간 복잡도</a:t>
-                      </a:r>
-                      <a:endParaRPr lang="ko-KR" altLang="en-US" sz="1200" dirty="0">
-                        <a:effectLst/>
-                      </a:endParaRPr>
-                    </a:p>
-                  </a:txBody>
-                  <a:tcPr anchor="ctr"/>
-                </a:tc>
-                <a:tc>
-                  <a:txBody>
-                    <a:bodyPr/>
-                    <a:lstStyle/>
-                    <a:p>
-                      <a:pPr algn="ctr" fontAlgn="base">
-                        <a:buNone/>
-                      </a:pPr>
-                      <a:r>
-                        <a:rPr lang="en-US" sz="1200" b="0" dirty="0">
-                          <a:effectLst/>
-                        </a:rPr>
-                        <a:t>O(log N)</a:t>
-                      </a:r>
-                    </a:p>
-                  </a:txBody>
-                  <a:tcPr anchor="ctr"/>
-                </a:tc>
-                <a:tc>
-                  <a:txBody>
-                    <a:bodyPr/>
-                    <a:lstStyle/>
-                    <a:p>
-                      <a:pPr algn="ctr" fontAlgn="base">
-                        <a:buNone/>
-                      </a:pPr>
-                      <a:r>
-                        <a:rPr lang="en-US" sz="1200" b="0" dirty="0">
-                          <a:effectLst/>
-                        </a:rPr>
-                        <a:t>O(1)</a:t>
-                      </a:r>
-                    </a:p>
-                  </a:txBody>
-                  <a:tcPr anchor="ctr"/>
-                </a:tc>
-                <a:extLst>
-                  <a:ext uri="{0D108BD9-81ED-4DB2-BD59-A6C34878D82A}">
-                    <a16:rowId xmlns:a16="http://schemas.microsoft.com/office/drawing/2014/main" val="1615958562"/>
-                  </a:ext>
-                </a:extLst>
-              </a:tr>
-              <a:tr h="540505">
-                <a:tc>
-                  <a:txBody>
-                    <a:bodyPr/>
-                    <a:lstStyle/>
-                    <a:p>
-                      <a:pPr algn="ctr" fontAlgn="base">
-                        <a:buNone/>
-                      </a:pPr>
-                      <a:r>
-                        <a:rPr lang="ko-KR" altLang="en-US" sz="1200" b="1" dirty="0">
-                          <a:effectLst/>
-                        </a:rPr>
-                        <a:t>레코드당 비용</a:t>
-                      </a:r>
-                      <a:endParaRPr lang="ko-KR" altLang="en-US" sz="1200" dirty="0">
-                        <a:effectLst/>
-                      </a:endParaRPr>
-                    </a:p>
-                  </a:txBody>
-                  <a:tcPr anchor="ctr"/>
-                </a:tc>
-                <a:tc>
-                  <a:txBody>
-                    <a:bodyPr/>
-                    <a:lstStyle/>
-                    <a:p>
-                      <a:pPr algn="ctr" fontAlgn="base">
-                        <a:buNone/>
-                      </a:pPr>
-                      <a:r>
-                        <a:rPr lang="ko-KR" altLang="en-US" sz="1200" b="0" dirty="0">
-                          <a:effectLst/>
-                        </a:rPr>
-                        <a:t>낮음 </a:t>
-                      </a:r>
-                      <a:endParaRPr lang="en-US" altLang="ko-KR" sz="1200" b="0" dirty="0">
-                        <a:effectLst/>
-                      </a:endParaRPr>
-                    </a:p>
-                    <a:p>
-                      <a:pPr algn="ctr" fontAlgn="base">
-                        <a:buNone/>
-                      </a:pPr>
-                      <a:r>
-                        <a:rPr lang="en-US" altLang="ko-KR" sz="1200" b="0" dirty="0">
-                          <a:effectLst/>
-                        </a:rPr>
-                        <a:t>(RAM</a:t>
-                      </a:r>
-                      <a:r>
-                        <a:rPr lang="ko-KR" altLang="en-US" sz="1200" b="0" dirty="0">
-                          <a:effectLst/>
-                        </a:rPr>
-                        <a:t>에서 묶어서 처리</a:t>
-                      </a:r>
-                      <a:r>
-                        <a:rPr lang="en-US" altLang="ko-KR" sz="1200" b="0" dirty="0">
-                          <a:effectLst/>
-                        </a:rPr>
-                        <a:t>)</a:t>
-                      </a:r>
-                      <a:endParaRPr lang="ko-KR" altLang="en-US" sz="1200" b="0" dirty="0">
-                        <a:effectLst/>
-                      </a:endParaRPr>
-                    </a:p>
-                  </a:txBody>
-                  <a:tcPr anchor="ctr"/>
-                </a:tc>
-                <a:tc>
-                  <a:txBody>
-                    <a:bodyPr/>
-                    <a:lstStyle/>
-                    <a:p>
-                      <a:pPr algn="ctr" fontAlgn="base">
-                        <a:buNone/>
-                      </a:pPr>
-                      <a:r>
-                        <a:rPr lang="ko-KR" altLang="en-US" sz="1200" b="0" dirty="0">
-                          <a:effectLst/>
-                        </a:rPr>
-                        <a:t>높음 </a:t>
-                      </a:r>
-                      <a:endParaRPr lang="en-US" altLang="ko-KR" sz="1200" b="0" dirty="0">
-                        <a:effectLst/>
-                      </a:endParaRPr>
-                    </a:p>
-                    <a:p>
-                      <a:pPr algn="ctr" fontAlgn="base">
-                        <a:buNone/>
-                      </a:pPr>
-                      <a:r>
-                        <a:rPr lang="en-US" sz="1200" b="0" dirty="0">
-                          <a:effectLst/>
-                        </a:rPr>
-                        <a:t>(Checksum </a:t>
-                      </a:r>
-                      <a:r>
-                        <a:rPr lang="en-US" altLang="ko-KR" sz="1200" b="0" dirty="0">
-                          <a:effectLst/>
-                        </a:rPr>
-                        <a:t>+ </a:t>
-                      </a:r>
-                      <a:r>
-                        <a:rPr lang="en-US" sz="1200" b="0" dirty="0">
-                          <a:effectLst/>
-                        </a:rPr>
-                        <a:t>Framing)</a:t>
-                      </a:r>
-                      <a:endParaRPr lang="ko-KR" altLang="en-US" sz="1200" b="0" dirty="0">
-                        <a:effectLst/>
-                      </a:endParaRPr>
-                    </a:p>
-                  </a:txBody>
-                  <a:tcPr anchor="ctr"/>
-                </a:tc>
-                <a:extLst>
-                  <a:ext uri="{0D108BD9-81ED-4DB2-BD59-A6C34878D82A}">
-                    <a16:rowId xmlns:a16="http://schemas.microsoft.com/office/drawing/2014/main" val="754961454"/>
-                  </a:ext>
-                </a:extLst>
-              </a:tr>
-              <a:tr h="1003795">
-                <a:tc>
-                  <a:txBody>
-                    <a:bodyPr/>
-                    <a:lstStyle/>
-                    <a:p>
-                      <a:pPr algn="ctr" fontAlgn="base">
-                        <a:buNone/>
-                      </a:pPr>
-                      <a:r>
-                        <a:rPr lang="ko-KR" altLang="en-US" sz="1200" b="1" dirty="0">
-                          <a:effectLst/>
-                        </a:rPr>
-                        <a:t>최적 시나리오</a:t>
-                      </a:r>
-                      <a:endParaRPr lang="ko-KR" altLang="en-US" sz="1200" dirty="0">
-                        <a:effectLst/>
-                      </a:endParaRPr>
-                    </a:p>
-                  </a:txBody>
-                  <a:tcPr anchor="ctr"/>
-                </a:tc>
-                <a:tc>
-                  <a:txBody>
-                    <a:bodyPr/>
-                    <a:lstStyle/>
-                    <a:p>
-                      <a:pPr algn="ctr" fontAlgn="base">
-                        <a:buNone/>
-                      </a:pPr>
-                      <a:r>
-                        <a:rPr lang="ko-KR" altLang="en-US" sz="1200" b="1" dirty="0">
-                          <a:effectLst/>
-                        </a:rPr>
-                        <a:t>대량 일괄 처리 </a:t>
-                      </a:r>
-                      <a:endParaRPr lang="en-US" altLang="ko-KR" sz="1200" b="1" dirty="0">
-                        <a:effectLst/>
-                      </a:endParaRPr>
-                    </a:p>
-                    <a:p>
-                      <a:pPr algn="ctr" fontAlgn="base">
-                        <a:buNone/>
-                      </a:pPr>
-                      <a:r>
-                        <a:rPr lang="en-US" altLang="ko-KR" sz="1200" b="1" dirty="0">
-                          <a:effectLst/>
-                        </a:rPr>
-                        <a:t>(Batch Insert)</a:t>
-                      </a:r>
-                    </a:p>
-                    <a:p>
-                      <a:pPr algn="ctr" fontAlgn="base">
-                        <a:buNone/>
-                      </a:pPr>
-                      <a:r>
-                        <a:rPr lang="en-US" altLang="ko-KR" sz="1200" dirty="0">
-                          <a:effectLst/>
-                        </a:rPr>
-                        <a:t>(</a:t>
-                      </a:r>
-                      <a:r>
-                        <a:rPr lang="ko-KR" altLang="en-US" sz="1200" dirty="0">
-                          <a:effectLst/>
-                        </a:rPr>
-                        <a:t>예</a:t>
-                      </a:r>
-                      <a:r>
-                        <a:rPr lang="en-US" altLang="ko-KR" sz="1200" dirty="0">
-                          <a:effectLst/>
-                        </a:rPr>
-                        <a:t>: 10</a:t>
-                      </a:r>
-                      <a:r>
-                        <a:rPr lang="ko-KR" altLang="en-US" sz="1200" dirty="0">
-                          <a:effectLst/>
-                        </a:rPr>
-                        <a:t>만 개씩 묶어서 저장</a:t>
-                      </a:r>
-                      <a:r>
-                        <a:rPr lang="en-US" altLang="ko-KR" sz="1200" dirty="0">
-                          <a:effectLst/>
-                        </a:rPr>
-                        <a:t>)</a:t>
-                      </a:r>
-                    </a:p>
-                  </a:txBody>
-                  <a:tcPr anchor="ctr"/>
-                </a:tc>
-                <a:tc>
-                  <a:txBody>
-                    <a:bodyPr/>
-                    <a:lstStyle/>
-                    <a:p>
-                      <a:pPr algn="ctr" fontAlgn="base">
-                        <a:buNone/>
-                      </a:pPr>
-                      <a:r>
                         <a:rPr lang="ko-KR" altLang="en-US" sz="1200" b="1" dirty="0">
                           <a:effectLst/>
                         </a:rPr>
@@ -4087,17 +3887,6 @@
                       <a:endParaRPr lang="en-US" altLang="ko-KR" sz="1200" b="1" dirty="0">
                         <a:effectLst/>
                       </a:endParaRPr>
-                    </a:p>
-                    <a:p>
-                      <a:pPr algn="ctr" fontAlgn="base">
-                        <a:buNone/>
-                      </a:pPr>
-                      <a:r>
-                        <a:rPr lang="en-US" altLang="ko-KR" sz="1200" b="1" dirty="0">
-                          <a:effectLst/>
-                        </a:rPr>
-                        <a:t>(Real-time)</a:t>
-                      </a:r>
                     </a:p>
                     <a:p>
                       <a:pPr algn="ctr" fontAlgn="base">
@@ -4189,14 +3978,195 @@
           <a:p>
             <a:r>
               <a:rPr lang="ko-KR" altLang="en-US" sz="1000" dirty="0">
+                <a:hlinkClick r:id="rId2"/>
+              </a:rPr>
+              <a:t>https://www.bartoszsypytkowski.com/db-backup-point-in-time-recovery/</a:t>
+            </a:r>
+            <a:endParaRPr lang="ko-KR" altLang="en-US" sz="1000" dirty="0"/>
+          </a:p>
+        </p:txBody>
+      </p:sp>
+      <p:pic>
+        <p:nvPicPr>
+          <p:cNvPr id="3" name="그림 2" descr="폰트, 도표, 라인, 텍스트이(가) 표시된 사진&#10;&#10;AI 생성 콘텐츠는 정확하지 않을 수 있습니다.">
+            <a:extLst>
+              <a:ext uri="{FF2B5EF4-FFF2-40B4-BE49-F238E27FC236}">
+                <a16:creationId xmlns:a16="http://schemas.microsoft.com/office/drawing/2014/main" id="{50F3EA2B-9056-2D70-8F65-F17CCD246D19}"/>
+              </a:ext>
+            </a:extLst>
+          </p:cNvPr>
+          <p:cNvPicPr>
+            <a:picLocks noChangeAspect="1"/>
+          </p:cNvPicPr>
+          <p:nvPr/>
+        </p:nvPicPr>
+        <p:blipFill>
+          <a:blip r:embed="rId3"/>
+          <a:stretch>
+            <a:fillRect/>
+          </a:stretch>
+        </p:blipFill>
+        <p:spPr>
+          <a:xfrm>
+            <a:off x="5846330" y="200229"/>
+            <a:ext cx="4286250" cy="2600325"/>
+          </a:xfrm>
+          <a:prstGeom prst="rect">
+            <a:avLst/>
+          </a:prstGeom>
+          <a:ln>
+            <a:solidFill>
+              <a:schemeClr val="tx1"/>
+            </a:solidFill>
+          </a:ln>
+        </p:spPr>
+      </p:pic>
+      <p:sp>
+        <p:nvSpPr>
+          <p:cNvPr id="6" name="TextBox 5">
+            <a:extLst>
+              <a:ext uri="{FF2B5EF4-FFF2-40B4-BE49-F238E27FC236}">
+                <a16:creationId xmlns:a16="http://schemas.microsoft.com/office/drawing/2014/main" id="{BBCFD5A9-2345-91FC-6A76-1AF31B37762F}"/>
+              </a:ext>
+            </a:extLst>
+          </p:cNvPr>
+          <p:cNvSpPr txBox="1"/>
+          <p:nvPr/>
+        </p:nvSpPr>
+        <p:spPr>
+          <a:xfrm>
+            <a:off x="7660955" y="6326571"/>
+            <a:ext cx="6876472" cy="246221"/>
+          </a:xfrm>
+          <a:prstGeom prst="rect">
+            <a:avLst/>
+          </a:prstGeom>
+          <a:noFill/>
+        </p:spPr>
+        <p:txBody>
+          <a:bodyPr wrap="square">
+            <a:spAutoFit/>
+          </a:bodyPr>
+          <a:lstStyle/>
+          <a:p>
+            <a:r>
+              <a:rPr lang="ko-KR" altLang="en-US" sz="1000" dirty="0">
                 <a:hlinkClick r:id="rId4"/>
               </a:rPr>
-              <a:t>https://www.bartoszsypytkowski.com/db-backup-point-in-time-recovery/</a:t>
+              <a:t>https://parkcheolu.tistory.com/261</a:t>
             </a:r>
             <a:endParaRPr lang="ko-KR" altLang="en-US" sz="1000" dirty="0"/>
           </a:p>
         </p:txBody>
       </p:sp>
+      <p:sp>
+        <p:nvSpPr>
+          <p:cNvPr id="10" name="TextBox 9">
+            <a:extLst>
+              <a:ext uri="{FF2B5EF4-FFF2-40B4-BE49-F238E27FC236}">
+                <a16:creationId xmlns:a16="http://schemas.microsoft.com/office/drawing/2014/main" id="{FFA17590-BD44-4E8F-8539-F937A78BA474}"/>
+              </a:ext>
+            </a:extLst>
+          </p:cNvPr>
+          <p:cNvSpPr txBox="1"/>
+          <p:nvPr/>
+        </p:nvSpPr>
+        <p:spPr>
+          <a:xfrm>
+            <a:off x="7660955" y="6166410"/>
+            <a:ext cx="6876472" cy="246221"/>
+          </a:xfrm>
+          <a:prstGeom prst="rect">
+            <a:avLst/>
+          </a:prstGeom>
+          <a:noFill/>
+        </p:spPr>
+        <p:txBody>
+          <a:bodyPr wrap="square">
+            <a:spAutoFit/>
+          </a:bodyPr>
+          <a:lstStyle/>
+          <a:p>
+            <a:r>
+              <a:rPr lang="ko-KR" altLang="en-US" sz="1000" dirty="0">
+                <a:hlinkClick r:id="rId4"/>
+              </a:rPr>
+              <a:t>https://csg1353.tistory.com/154</a:t>
+            </a:r>
+            <a:endParaRPr lang="ko-KR" altLang="en-US" sz="1000" dirty="0"/>
+          </a:p>
+        </p:txBody>
+      </p:sp>
+      <p:sp>
+        <p:nvSpPr>
+          <p:cNvPr id="13" name="TextBox 12">
+            <a:extLst>
+              <a:ext uri="{FF2B5EF4-FFF2-40B4-BE49-F238E27FC236}">
+                <a16:creationId xmlns:a16="http://schemas.microsoft.com/office/drawing/2014/main" id="{99F1471D-33DD-1B6B-882A-59B18A842E86}"/>
+              </a:ext>
+            </a:extLst>
+          </p:cNvPr>
+          <p:cNvSpPr txBox="1"/>
+          <p:nvPr/>
+        </p:nvSpPr>
+        <p:spPr>
+          <a:xfrm>
+            <a:off x="7660955" y="5932734"/>
+            <a:ext cx="1431636" cy="307777"/>
+          </a:xfrm>
+          <a:prstGeom prst="rect">
+            <a:avLst/>
+          </a:prstGeom>
+          <a:noFill/>
+        </p:spPr>
+        <p:txBody>
+          <a:bodyPr wrap="square" rtlCol="0">
+            <a:spAutoFit/>
+          </a:bodyPr>
+          <a:lstStyle/>
+          <a:p>
+            <a:r>
+              <a:rPr lang="ko-KR" altLang="en-US" sz="1400" b="1" dirty="0"/>
+              <a:t>참고 자료</a:t>
+            </a:r>
+          </a:p>
+        </p:txBody>
+      </p:sp>
+      <p:pic>
+        <p:nvPicPr>
+          <p:cNvPr id="15" name="그림 14" descr="텍스트, 도표, 평면도, 평행이(가) 표시된 사진&#10;&#10;AI 생성 콘텐츠는 정확하지 않을 수 있습니다.">
+            <a:extLst>
+              <a:ext uri="{FF2B5EF4-FFF2-40B4-BE49-F238E27FC236}">
+                <a16:creationId xmlns:a16="http://schemas.microsoft.com/office/drawing/2014/main" id="{F975CA76-43F0-05AB-EB12-FB74C573DAB6}"/>
+              </a:ext>
+            </a:extLst>
+          </p:cNvPr>
+          <p:cNvPicPr>
+            <a:picLocks noChangeAspect="1"/>
+          </p:cNvPicPr>
+          <p:nvPr/>
+        </p:nvPicPr>
+        <p:blipFill>
+          <a:blip r:embed="rId5"/>
+          <a:stretch>
+            <a:fillRect/>
+          </a:stretch>
+        </p:blipFill>
+        <p:spPr>
+          <a:xfrm>
+            <a:off x="1209386" y="202521"/>
+            <a:ext cx="4286250" cy="2602617"/>
+          </a:xfrm>
+          <a:prstGeom prst="rect">
+            <a:avLst/>
+          </a:prstGeom>
+          <a:ln>
+            <a:solidFill>
+              <a:schemeClr val="tx1"/>
+            </a:solidFill>
+          </a:ln>
+        </p:spPr>
+      </p:pic>
     </p:spTree>
     <p:extLst>
       <p:ext uri="{BB962C8B-B14F-4D97-AF65-F5344CB8AC3E}">

--- a/Db_TestApp/프레젠테이션1.pptx
+++ b/Db_TestApp/프레젠테이션1.pptx
@@ -6,6 +6,7 @@
   </p:sldMasterIdLst>
   <p:sldIdLst>
     <p:sldId id="256" r:id="rId2"/>
+    <p:sldId id="257" r:id="rId3"/>
   </p:sldIdLst>
   <p:sldSz cx="12192000" cy="6858000"/>
   <p:notesSz cx="6858000" cy="9144000"/>
@@ -3341,7 +3342,7 @@
           <p:nvPr>
             <p:extLst>
               <p:ext uri="{D42A27DB-BD31-4B8C-83A1-F6EECF244321}">
-                <p14:modId xmlns:p14="http://schemas.microsoft.com/office/powerpoint/2010/main" val="3864115528"/>
+                <p14:modId xmlns:p14="http://schemas.microsoft.com/office/powerpoint/2010/main" val="2556712467"/>
               </p:ext>
             </p:extLst>
           </p:nvPr>
@@ -3518,11 +3519,11 @@
                       </a:r>
                       <a:r>
                         <a:rPr lang="ko-KR" altLang="en-US" sz="1200" dirty="0"/>
-                        <a:t>파일 직접 </a:t>
+                        <a:t>파일 </a:t>
                       </a:r>
                       <a:r>
                         <a:rPr lang="en-US" sz="1200" dirty="0"/>
-                        <a:t>overwrite</a:t>
+                        <a:t>Write</a:t>
                       </a:r>
                     </a:p>
                   </a:txBody>
@@ -3948,44 +3949,6 @@
           </a:graphicData>
         </a:graphic>
       </p:graphicFrame>
-      <p:sp>
-        <p:nvSpPr>
-          <p:cNvPr id="23" name="TextBox 22">
-            <a:extLst>
-              <a:ext uri="{FF2B5EF4-FFF2-40B4-BE49-F238E27FC236}">
-                <a16:creationId xmlns:a16="http://schemas.microsoft.com/office/drawing/2014/main" id="{B110E1F5-1CDD-594B-701E-91DD66573564}"/>
-              </a:ext>
-            </a:extLst>
-          </p:cNvPr>
-          <p:cNvSpPr txBox="1"/>
-          <p:nvPr/>
-        </p:nvSpPr>
-        <p:spPr>
-          <a:xfrm>
-            <a:off x="7660955" y="6498691"/>
-            <a:ext cx="6094428" cy="246221"/>
-          </a:xfrm>
-          <a:prstGeom prst="rect">
-            <a:avLst/>
-          </a:prstGeom>
-          <a:noFill/>
-        </p:spPr>
-        <p:txBody>
-          <a:bodyPr wrap="square">
-            <a:spAutoFit/>
-          </a:bodyPr>
-          <a:lstStyle/>
-          <a:p>
-            <a:r>
-              <a:rPr lang="ko-KR" altLang="en-US" sz="1000" dirty="0">
-                <a:hlinkClick r:id="rId2"/>
-              </a:rPr>
-              <a:t>https://www.bartoszsypytkowski.com/db-backup-point-in-time-recovery/</a:t>
-            </a:r>
-            <a:endParaRPr lang="ko-KR" altLang="en-US" sz="1000" dirty="0"/>
-          </a:p>
-        </p:txBody>
-      </p:sp>
       <p:pic>
         <p:nvPicPr>
           <p:cNvPr id="3" name="그림 2" descr="폰트, 도표, 라인, 텍스트이(가) 표시된 사진&#10;&#10;AI 생성 콘텐츠는 정확하지 않을 수 있습니다.">
@@ -4001,7 +3964,7 @@
           <p:nvPr/>
         </p:nvPicPr>
         <p:blipFill>
-          <a:blip r:embed="rId3"/>
+          <a:blip r:embed="rId2"/>
           <a:stretch>
             <a:fillRect/>
           </a:stretch>
@@ -4023,10 +3986,10 @@
       </p:pic>
       <p:sp>
         <p:nvSpPr>
-          <p:cNvPr id="6" name="TextBox 5">
-            <a:extLst>
-              <a:ext uri="{FF2B5EF4-FFF2-40B4-BE49-F238E27FC236}">
-                <a16:creationId xmlns:a16="http://schemas.microsoft.com/office/drawing/2014/main" id="{BBCFD5A9-2345-91FC-6A76-1AF31B37762F}"/>
+          <p:cNvPr id="10" name="TextBox 9">
+            <a:extLst>
+              <a:ext uri="{FF2B5EF4-FFF2-40B4-BE49-F238E27FC236}">
+                <a16:creationId xmlns:a16="http://schemas.microsoft.com/office/drawing/2014/main" id="{FFA17590-BD44-4E8F-8539-F937A78BA474}"/>
               </a:ext>
             </a:extLst>
           </p:cNvPr>
@@ -4035,8 +3998,8 @@
         </p:nvSpPr>
         <p:spPr>
           <a:xfrm>
-            <a:off x="7660955" y="6326571"/>
-            <a:ext cx="6876472" cy="246221"/>
+            <a:off x="7660955" y="6092717"/>
+            <a:ext cx="6876472" cy="507831"/>
           </a:xfrm>
           <a:prstGeom prst="rect">
             <a:avLst/>
@@ -4050,21 +4013,89 @@
           <a:lstStyle/>
           <a:p>
             <a:r>
-              <a:rPr lang="ko-KR" altLang="en-US" sz="1000" dirty="0">
-                <a:hlinkClick r:id="rId4"/>
+              <a:rPr lang="en-US" altLang="ko-KR" sz="900" b="1" dirty="0">
+                <a:hlinkClick r:id="rId3"/>
               </a:rPr>
-              <a:t>https://parkcheolu.tistory.com/261</a:t>
-            </a:r>
-            <a:endParaRPr lang="ko-KR" altLang="en-US" sz="1000" dirty="0"/>
-          </a:p>
-        </p:txBody>
-      </p:sp>
-      <p:sp>
-        <p:nvSpPr>
-          <p:cNvPr id="10" name="TextBox 9">
-            <a:extLst>
-              <a:ext uri="{FF2B5EF4-FFF2-40B4-BE49-F238E27FC236}">
-                <a16:creationId xmlns:a16="http://schemas.microsoft.com/office/drawing/2014/main" id="{FFA17590-BD44-4E8F-8539-F937A78BA474}"/>
+              <a:t>SQLite WAL(Write-Ahead Logging) </a:t>
+            </a:r>
+            <a:r>
+              <a:rPr lang="ko-KR" altLang="en-US" sz="900" b="1" dirty="0">
+                <a:hlinkClick r:id="rId3"/>
+              </a:rPr>
+              <a:t>모드 공식 설명</a:t>
+            </a:r>
+            <a:endParaRPr lang="en-US" altLang="ko-KR" sz="900" b="1" dirty="0">
+              <a:hlinkClick r:id="rId4"/>
+            </a:endParaRPr>
+          </a:p>
+          <a:p>
+            <a:r>
+              <a:rPr lang="en-US" altLang="ko-KR" sz="900" b="1" dirty="0">
+                <a:hlinkClick r:id="rId5"/>
+              </a:rPr>
+              <a:t>SQLite</a:t>
+            </a:r>
+            <a:r>
+              <a:rPr lang="ko-KR" altLang="en-US" sz="900" b="1" dirty="0">
+                <a:hlinkClick r:id="rId5"/>
+              </a:rPr>
+              <a:t>기반 애플리케이션에서 롤백 저널 모드와 </a:t>
+            </a:r>
+            <a:r>
+              <a:rPr lang="en-US" altLang="ko-KR" sz="900" b="1" dirty="0">
+                <a:hlinkClick r:id="rId5"/>
+              </a:rPr>
+              <a:t>WAL </a:t>
+            </a:r>
+            <a:r>
+              <a:rPr lang="ko-KR" altLang="en-US" sz="900" b="1" dirty="0">
+                <a:hlinkClick r:id="rId5"/>
+              </a:rPr>
+              <a:t>모드의 성능 비교 분석</a:t>
+            </a:r>
+            <a:endParaRPr lang="en-US" altLang="ko-KR" sz="900" b="1" dirty="0"/>
+          </a:p>
+          <a:p>
+            <a:r>
+              <a:rPr lang="ko-KR" altLang="en-US" sz="900" b="1" dirty="0">
+                <a:hlinkClick r:id="rId6"/>
+              </a:rPr>
+              <a:t>데이터베이스 성능의 근본</a:t>
+            </a:r>
+            <a:r>
+              <a:rPr lang="en-US" altLang="ko-KR" sz="900" b="1" dirty="0">
+                <a:hlinkClick r:id="rId6"/>
+              </a:rPr>
+              <a:t>: </a:t>
+            </a:r>
+            <a:r>
+              <a:rPr lang="ko-KR" altLang="en-US" sz="900" b="1" dirty="0">
+                <a:hlinkClick r:id="rId6"/>
+              </a:rPr>
+              <a:t>디스크</a:t>
+            </a:r>
+            <a:r>
+              <a:rPr lang="en-US" altLang="ko-KR" sz="900" b="1" dirty="0">
+                <a:hlinkClick r:id="rId6"/>
+              </a:rPr>
+              <a:t>I/O </a:t>
+            </a:r>
+            <a:r>
+              <a:rPr lang="ko-KR" altLang="en-US" sz="900" b="1" dirty="0">
+                <a:hlinkClick r:id="rId6"/>
+              </a:rPr>
+              <a:t>메커니즘과 최적화 전략 심층 분석</a:t>
+            </a:r>
+            <a:endParaRPr lang="en-US" altLang="ko-KR" sz="900" b="1" dirty="0"/>
+          </a:p>
+        </p:txBody>
+      </p:sp>
+      <p:sp>
+        <p:nvSpPr>
+          <p:cNvPr id="13" name="TextBox 12">
+            <a:extLst>
+              <a:ext uri="{FF2B5EF4-FFF2-40B4-BE49-F238E27FC236}">
+                <a16:creationId xmlns:a16="http://schemas.microsoft.com/office/drawing/2014/main" id="{99F1471D-33DD-1B6B-882A-59B18A842E86}"/>
               </a:ext>
             </a:extLst>
           </p:cNvPr>
@@ -4073,45 +4104,7 @@
         </p:nvSpPr>
         <p:spPr>
           <a:xfrm>
-            <a:off x="7660955" y="6166410"/>
-            <a:ext cx="6876472" cy="246221"/>
-          </a:xfrm>
-          <a:prstGeom prst="rect">
-            <a:avLst/>
-          </a:prstGeom>
-          <a:noFill/>
-        </p:spPr>
-        <p:txBody>
-          <a:bodyPr wrap="square">
-            <a:spAutoFit/>
-          </a:bodyPr>
-          <a:lstStyle/>
-          <a:p>
-            <a:r>
-              <a:rPr lang="ko-KR" altLang="en-US" sz="1000" dirty="0">
-                <a:hlinkClick r:id="rId4"/>
-              </a:rPr>
-              <a:t>https://csg1353.tistory.com/154</a:t>
-            </a:r>
-            <a:endParaRPr lang="ko-KR" altLang="en-US" sz="1000" dirty="0"/>
-          </a:p>
-        </p:txBody>
-      </p:sp>
-      <p:sp>
-        <p:nvSpPr>
-          <p:cNvPr id="13" name="TextBox 12">
-            <a:extLst>
-              <a:ext uri="{FF2B5EF4-FFF2-40B4-BE49-F238E27FC236}">
-                <a16:creationId xmlns:a16="http://schemas.microsoft.com/office/drawing/2014/main" id="{99F1471D-33DD-1B6B-882A-59B18A842E86}"/>
-              </a:ext>
-            </a:extLst>
-          </p:cNvPr>
-          <p:cNvSpPr txBox="1"/>
-          <p:nvPr/>
-        </p:nvSpPr>
-        <p:spPr>
-          <a:xfrm>
-            <a:off x="7660955" y="5932734"/>
+            <a:off x="7660955" y="5775035"/>
             <a:ext cx="1431636" cy="307777"/>
           </a:xfrm>
           <a:prstGeom prst="rect">
@@ -4147,7 +4140,7 @@
           <p:nvPr/>
         </p:nvPicPr>
         <p:blipFill>
-          <a:blip r:embed="rId5"/>
+          <a:blip r:embed="rId7"/>
           <a:stretch>
             <a:fillRect/>
           </a:stretch>
@@ -4171,6 +4164,369 @@
     <p:extLst>
       <p:ext uri="{BB962C8B-B14F-4D97-AF65-F5344CB8AC3E}">
         <p14:creationId xmlns:p14="http://schemas.microsoft.com/office/powerpoint/2010/main" val="1647607535"/>
+      </p:ext>
+    </p:extLst>
+  </p:cSld>
+  <p:clrMapOvr>
+    <a:masterClrMapping/>
+  </p:clrMapOvr>
+</p:sld>
+</file>
+
+<file path=ppt/slides/slide2.xml><?xml version="1.0" encoding="utf-8"?>
+<p:sld xmlns:a="http://schemas.openxmlformats.org/drawingml/2006/main" xmlns:r="http://schemas.openxmlformats.org/officeDocument/2006/relationships" xmlns:p="http://schemas.openxmlformats.org/presentationml/2006/main">
+  <p:cSld>
+    <p:spTree>
+      <p:nvGrpSpPr>
+        <p:cNvPr id="1" name=""/>
+        <p:cNvGrpSpPr/>
+        <p:nvPr/>
+      </p:nvGrpSpPr>
+      <p:grpSpPr>
+        <a:xfrm>
+          <a:off x="0" y="0"/>
+          <a:ext cx="0" cy="0"/>
+          <a:chOff x="0" y="0"/>
+          <a:chExt cx="0" cy="0"/>
+        </a:xfrm>
+      </p:grpSpPr>
+      <p:graphicFrame>
+        <p:nvGraphicFramePr>
+          <p:cNvPr id="6" name="표 5">
+            <a:extLst>
+              <a:ext uri="{FF2B5EF4-FFF2-40B4-BE49-F238E27FC236}">
+                <a16:creationId xmlns:a16="http://schemas.microsoft.com/office/drawing/2014/main" id="{B7AD1255-7891-4F46-D149-43AFABE3A335}"/>
+              </a:ext>
+            </a:extLst>
+          </p:cNvPr>
+          <p:cNvGraphicFramePr>
+            <a:graphicFrameLocks noGrp="1"/>
+          </p:cNvGraphicFramePr>
+          <p:nvPr>
+            <p:extLst>
+              <p:ext uri="{D42A27DB-BD31-4B8C-83A1-F6EECF244321}">
+                <p14:modId xmlns:p14="http://schemas.microsoft.com/office/powerpoint/2010/main" val="3187766671"/>
+              </p:ext>
+            </p:extLst>
+          </p:nvPr>
+        </p:nvGraphicFramePr>
+        <p:xfrm>
+          <a:off x="1209386" y="3065599"/>
+          <a:ext cx="6641523" cy="1215200"/>
+        </p:xfrm>
+        <a:graphic>
+          <a:graphicData uri="http://schemas.openxmlformats.org/drawingml/2006/table">
+            <a:tbl>
+              <a:tblPr firstRow="1" bandRow="1">
+                <a:tableStyleId>{5C22544A-7EE6-4342-B048-85BDC9FD1C3A}</a:tableStyleId>
+              </a:tblPr>
+              <a:tblGrid>
+                <a:gridCol w="1367559">
+                  <a:extLst>
+                    <a:ext uri="{9D8B030D-6E8A-4147-A177-3AD203B41FA5}">
+                      <a16:colId xmlns:a16="http://schemas.microsoft.com/office/drawing/2014/main" val="2633589895"/>
+                    </a:ext>
+                  </a:extLst>
+                </a:gridCol>
+                <a:gridCol w="3417455">
+                  <a:extLst>
+                    <a:ext uri="{9D8B030D-6E8A-4147-A177-3AD203B41FA5}">
+                      <a16:colId xmlns:a16="http://schemas.microsoft.com/office/drawing/2014/main" val="2800367551"/>
+                    </a:ext>
+                  </a:extLst>
+                </a:gridCol>
+                <a:gridCol w="1856509">
+                  <a:extLst>
+                    <a:ext uri="{9D8B030D-6E8A-4147-A177-3AD203B41FA5}">
+                      <a16:colId xmlns:a16="http://schemas.microsoft.com/office/drawing/2014/main" val="3492175363"/>
+                    </a:ext>
+                  </a:extLst>
+                </a:gridCol>
+              </a:tblGrid>
+              <a:tr h="308860">
+                <a:tc>
+                  <a:txBody>
+                    <a:bodyPr/>
+                    <a:lstStyle/>
+                    <a:p>
+                      <a:pPr algn="ctr" fontAlgn="b">
+                        <a:buNone/>
+                      </a:pPr>
+                      <a:r>
+                        <a:rPr lang="ko-KR" altLang="en-US" sz="1200" b="1" dirty="0">
+                          <a:solidFill>
+                            <a:srgbClr val="CCCCCC"/>
+                          </a:solidFill>
+                          <a:effectLst/>
+                        </a:rPr>
+                        <a:t>번호</a:t>
+                      </a:r>
+                    </a:p>
+                  </a:txBody>
+                  <a:tcPr anchor="b"/>
+                </a:tc>
+                <a:tc>
+                  <a:txBody>
+                    <a:bodyPr/>
+                    <a:lstStyle/>
+                    <a:p>
+                      <a:pPr algn="ctr" fontAlgn="b">
+                        <a:buNone/>
+                      </a:pPr>
+                      <a:r>
+                        <a:rPr lang="ko-KR" altLang="en-US" sz="1200" b="1" dirty="0">
+                          <a:solidFill>
+                            <a:srgbClr val="CCCCCC"/>
+                          </a:solidFill>
+                          <a:effectLst/>
+                        </a:rPr>
+                        <a:t>대응 방안</a:t>
+                      </a:r>
+                      <a:endParaRPr lang="en-US" altLang="ko-KR" sz="1200" b="1" dirty="0">
+                        <a:solidFill>
+                          <a:srgbClr val="CCCCCC"/>
+                        </a:solidFill>
+                        <a:effectLst/>
+                      </a:endParaRPr>
+                    </a:p>
+                  </a:txBody>
+                  <a:tcPr anchor="b"/>
+                </a:tc>
+                <a:tc>
+                  <a:txBody>
+                    <a:bodyPr/>
+                    <a:lstStyle/>
+                    <a:p>
+                      <a:pPr algn="ctr" fontAlgn="b">
+                        <a:buNone/>
+                      </a:pPr>
+                      <a:r>
+                        <a:rPr lang="ko-KR" altLang="en-US" sz="1200" b="1" dirty="0">
+                          <a:solidFill>
+                            <a:srgbClr val="CCCCCC"/>
+                          </a:solidFill>
+                          <a:effectLst/>
+                        </a:rPr>
+                        <a:t>적용시점</a:t>
+                      </a:r>
+                      <a:endParaRPr lang="en-US" altLang="ko-KR" sz="1200" b="1" dirty="0">
+                        <a:solidFill>
+                          <a:srgbClr val="CCCCCC"/>
+                        </a:solidFill>
+                        <a:effectLst/>
+                      </a:endParaRPr>
+                    </a:p>
+                  </a:txBody>
+                  <a:tcPr anchor="b"/>
+                </a:tc>
+                <a:extLst>
+                  <a:ext uri="{0D108BD9-81ED-4DB2-BD59-A6C34878D82A}">
+                    <a16:rowId xmlns:a16="http://schemas.microsoft.com/office/drawing/2014/main" val="4202439187"/>
+                  </a:ext>
+                </a:extLst>
+              </a:tr>
+              <a:tr h="313150">
+                <a:tc>
+                  <a:txBody>
+                    <a:bodyPr/>
+                    <a:lstStyle/>
+                    <a:p>
+                      <a:pPr algn="ctr">
+                        <a:buNone/>
+                      </a:pPr>
+                      <a:r>
+                        <a:rPr lang="en-US" altLang="ko-KR" sz="1200" b="1" dirty="0"/>
+                        <a:t>1</a:t>
+                      </a:r>
+                      <a:endParaRPr lang="ko-KR" altLang="en-US" sz="1200" b="1" dirty="0"/>
+                    </a:p>
+                  </a:txBody>
+                  <a:tcPr anchor="ctr"/>
+                </a:tc>
+                <a:tc>
+                  <a:txBody>
+                    <a:bodyPr/>
+                    <a:lstStyle/>
+                    <a:p>
+                      <a:pPr algn="ctr">
+                        <a:buNone/>
+                      </a:pPr>
+                      <a:r>
+                        <a:rPr lang="ko-KR" altLang="en-US" sz="1200" dirty="0"/>
+                        <a:t>자동 체크포인트 비활성화 방지</a:t>
+                      </a:r>
+                      <a:endParaRPr lang="en-US" sz="1200" dirty="0"/>
+                    </a:p>
+                  </a:txBody>
+                  <a:tcPr anchor="ctr"/>
+                </a:tc>
+                <a:tc>
+                  <a:txBody>
+                    <a:bodyPr/>
+                    <a:lstStyle/>
+                    <a:p>
+                      <a:pPr algn="ctr">
+                        <a:buNone/>
+                      </a:pPr>
+                      <a:r>
+                        <a:rPr lang="en-US" altLang="ko-KR" sz="1200" dirty="0"/>
+                        <a:t>DB </a:t>
+                      </a:r>
+                      <a:r>
+                        <a:rPr lang="ko-KR" altLang="en-US" sz="1200" dirty="0"/>
+                        <a:t>생성 </a:t>
+                      </a:r>
+                      <a:endParaRPr lang="en-US" sz="1200" dirty="0"/>
+                    </a:p>
+                  </a:txBody>
+                  <a:tcPr anchor="ctr"/>
+                </a:tc>
+                <a:extLst>
+                  <a:ext uri="{0D108BD9-81ED-4DB2-BD59-A6C34878D82A}">
+                    <a16:rowId xmlns:a16="http://schemas.microsoft.com/office/drawing/2014/main" val="2312310818"/>
+                  </a:ext>
+                </a:extLst>
+              </a:tr>
+              <a:tr h="318870">
+                <a:tc>
+                  <a:txBody>
+                    <a:bodyPr/>
+                    <a:lstStyle/>
+                    <a:p>
+                      <a:pPr algn="ctr" fontAlgn="base">
+                        <a:buNone/>
+                      </a:pPr>
+                      <a:r>
+                        <a:rPr lang="en-US" altLang="ko-KR" sz="1200" b="1" dirty="0">
+                          <a:effectLst/>
+                        </a:rPr>
+                        <a:t>2</a:t>
+                      </a:r>
+                      <a:endParaRPr lang="ko-KR" altLang="en-US" sz="1200" b="1" dirty="0">
+                        <a:effectLst/>
+                      </a:endParaRPr>
+                    </a:p>
+                  </a:txBody>
+                  <a:tcPr anchor="ctr"/>
+                </a:tc>
+                <a:tc>
+                  <a:txBody>
+                    <a:bodyPr/>
+                    <a:lstStyle/>
+                    <a:p>
+                      <a:pPr algn="ctr" fontAlgn="base">
+                        <a:buNone/>
+                      </a:pPr>
+                      <a:r>
+                        <a:rPr lang="en-US" altLang="ko-KR" sz="1200" dirty="0"/>
+                        <a:t>SQLITE_CHECKPOINT_RESTART</a:t>
+                      </a:r>
+                      <a:endParaRPr lang="en-US" sz="1200" b="0" dirty="0">
+                        <a:effectLst/>
+                      </a:endParaRPr>
+                    </a:p>
+                  </a:txBody>
+                  <a:tcPr anchor="ctr"/>
+                </a:tc>
+                <a:tc>
+                  <a:txBody>
+                    <a:bodyPr/>
+                    <a:lstStyle/>
+                    <a:p>
+                      <a:pPr algn="ctr" fontAlgn="base">
+                        <a:buNone/>
+                      </a:pPr>
+                      <a:r>
+                        <a:rPr lang="ko-KR" altLang="en-US" sz="1200" dirty="0"/>
+                        <a:t>특정 시점에 실행</a:t>
+                      </a:r>
+                      <a:endParaRPr lang="en-US" sz="1200" b="0" dirty="0">
+                        <a:effectLst/>
+                      </a:endParaRPr>
+                    </a:p>
+                  </a:txBody>
+                  <a:tcPr anchor="ctr"/>
+                </a:tc>
+                <a:extLst>
+                  <a:ext uri="{0D108BD9-81ED-4DB2-BD59-A6C34878D82A}">
+                    <a16:rowId xmlns:a16="http://schemas.microsoft.com/office/drawing/2014/main" val="754961454"/>
+                  </a:ext>
+                </a:extLst>
+              </a:tr>
+              <a:tr h="137160">
+                <a:tc>
+                  <a:txBody>
+                    <a:bodyPr/>
+                    <a:lstStyle/>
+                    <a:p>
+                      <a:pPr algn="ctr" fontAlgn="base">
+                        <a:buNone/>
+                      </a:pPr>
+                      <a:r>
+                        <a:rPr lang="en-US" altLang="ko-KR" sz="1200" b="1" dirty="0">
+                          <a:effectLst/>
+                        </a:rPr>
+                        <a:t>3</a:t>
+                      </a:r>
+                      <a:endParaRPr lang="ko-KR" altLang="en-US" sz="1200" b="1" dirty="0">
+                        <a:effectLst/>
+                      </a:endParaRPr>
+                    </a:p>
+                  </a:txBody>
+                  <a:tcPr anchor="ctr"/>
+                </a:tc>
+                <a:tc>
+                  <a:txBody>
+                    <a:bodyPr/>
+                    <a:lstStyle/>
+                    <a:p>
+                      <a:pPr algn="ctr" fontAlgn="base">
+                        <a:buNone/>
+                      </a:pPr>
+                      <a:r>
+                        <a:rPr lang="en-US" altLang="ko-KR" sz="1200" dirty="0"/>
+                        <a:t>SQLITE_CHECKPOINT_TRUNCATE</a:t>
+                      </a:r>
+                      <a:endParaRPr lang="en-US" sz="1200" b="0" dirty="0">
+                        <a:effectLst/>
+                      </a:endParaRPr>
+                    </a:p>
+                  </a:txBody>
+                  <a:tcPr anchor="ctr"/>
+                </a:tc>
+                <a:tc>
+                  <a:txBody>
+                    <a:bodyPr/>
+                    <a:lstStyle/>
+                    <a:p>
+                      <a:pPr algn="ctr" fontAlgn="base">
+                        <a:buNone/>
+                      </a:pPr>
+                      <a:r>
+                        <a:rPr lang="ko-KR" altLang="en-US" sz="1200" dirty="0"/>
+                        <a:t>특정 시점에 실행</a:t>
+                      </a:r>
+                      <a:endParaRPr lang="en-US" sz="1200" b="0" dirty="0">
+                        <a:effectLst/>
+                      </a:endParaRPr>
+                    </a:p>
+                  </a:txBody>
+                  <a:tcPr anchor="ctr"/>
+                </a:tc>
+                <a:extLst>
+                  <a:ext uri="{0D108BD9-81ED-4DB2-BD59-A6C34878D82A}">
+                    <a16:rowId xmlns:a16="http://schemas.microsoft.com/office/drawing/2014/main" val="1076226940"/>
+                  </a:ext>
+                </a:extLst>
+              </a:tr>
+            </a:tbl>
+          </a:graphicData>
+        </a:graphic>
+      </p:graphicFrame>
+    </p:spTree>
+    <p:extLst>
+      <p:ext uri="{BB962C8B-B14F-4D97-AF65-F5344CB8AC3E}">
+        <p14:creationId xmlns:p14="http://schemas.microsoft.com/office/powerpoint/2010/main" val="4111899244"/>
       </p:ext>
     </p:extLst>
   </p:cSld>
